--- a/doc/c#_teach/c#_practices.pptx
+++ b/doc/c#_teach/c#_practices.pptx
@@ -5,7 +5,7 @@
     <p:sldMasterId id="2147484006" r:id="rId1"/>
   </p:sldMasterIdLst>
   <p:notesMasterIdLst>
-    <p:notesMasterId r:id="rId8"/>
+    <p:notesMasterId r:id="rId10"/>
   </p:notesMasterIdLst>
   <p:sldIdLst>
     <p:sldId id="256" r:id="rId2"/>
@@ -14,6 +14,8 @@
     <p:sldId id="286" r:id="rId5"/>
     <p:sldId id="287" r:id="rId6"/>
     <p:sldId id="288" r:id="rId7"/>
+    <p:sldId id="289" r:id="rId8"/>
+    <p:sldId id="290" r:id="rId9"/>
   </p:sldIdLst>
   <p:sldSz cx="12192000" cy="6858000"/>
   <p:notesSz cx="6858000" cy="9144000"/>
@@ -202,7 +204,7 @@
           <a:p>
             <a:fld id="{890C5448-3B99-490C-ADA0-94BB4B512256}" type="datetimeFigureOut">
               <a:rPr lang="en-US" smtClean="0"/>
-              <a:t>11/20/2017</a:t>
+              <a:t>11/22/2017</a:t>
             </a:fld>
             <a:endParaRPr lang="en-US"/>
           </a:p>
@@ -805,7 +807,7 @@
           <a:p>
             <a:fld id="{5F2F6395-FEF5-46A5-9842-96D866342840}" type="datetimeFigureOut">
               <a:rPr lang="en-US" smtClean="0"/>
-              <a:t>11/20/2017</a:t>
+              <a:t>11/22/2017</a:t>
             </a:fld>
             <a:endParaRPr lang="en-US"/>
           </a:p>
@@ -1893,7 +1895,7 @@
           <a:p>
             <a:fld id="{5F2F6395-FEF5-46A5-9842-96D866342840}" type="datetimeFigureOut">
               <a:rPr lang="en-US" smtClean="0"/>
-              <a:t>11/20/2017</a:t>
+              <a:t>11/22/2017</a:t>
             </a:fld>
             <a:endParaRPr lang="en-US"/>
           </a:p>
@@ -2873,7 +2875,7 @@
           <a:p>
             <a:fld id="{5F2F6395-FEF5-46A5-9842-96D866342840}" type="datetimeFigureOut">
               <a:rPr lang="en-US" smtClean="0"/>
-              <a:t>11/20/2017</a:t>
+              <a:t>11/22/2017</a:t>
             </a:fld>
             <a:endParaRPr lang="en-US"/>
           </a:p>
@@ -4007,7 +4009,7 @@
           <a:p>
             <a:fld id="{5F2F6395-FEF5-46A5-9842-96D866342840}" type="datetimeFigureOut">
               <a:rPr lang="en-US" smtClean="0"/>
-              <a:t>11/20/2017</a:t>
+              <a:t>11/22/2017</a:t>
             </a:fld>
             <a:endParaRPr lang="en-US"/>
           </a:p>
@@ -5040,7 +5042,7 @@
           <a:p>
             <a:fld id="{5F2F6395-FEF5-46A5-9842-96D866342840}" type="datetimeFigureOut">
               <a:rPr lang="en-US" smtClean="0"/>
-              <a:t>11/20/2017</a:t>
+              <a:t>11/22/2017</a:t>
             </a:fld>
             <a:endParaRPr lang="en-US"/>
           </a:p>
@@ -5700,7 +5702,7 @@
           <a:p>
             <a:fld id="{5F2F6395-FEF5-46A5-9842-96D866342840}" type="datetimeFigureOut">
               <a:rPr lang="en-US" smtClean="0"/>
-              <a:t>11/20/2017</a:t>
+              <a:t>11/22/2017</a:t>
             </a:fld>
             <a:endParaRPr lang="en-US"/>
           </a:p>
@@ -6561,7 +6563,7 @@
           <a:p>
             <a:fld id="{5F2F6395-FEF5-46A5-9842-96D866342840}" type="datetimeFigureOut">
               <a:rPr lang="en-US" smtClean="0"/>
-              <a:t>11/20/2017</a:t>
+              <a:t>11/22/2017</a:t>
             </a:fld>
             <a:endParaRPr lang="en-US"/>
           </a:p>
@@ -6751,7 +6753,7 @@
           <a:p>
             <a:fld id="{5F2F6395-FEF5-46A5-9842-96D866342840}" type="datetimeFigureOut">
               <a:rPr lang="en-US" smtClean="0"/>
-              <a:t>11/20/2017</a:t>
+              <a:t>11/22/2017</a:t>
             </a:fld>
             <a:endParaRPr lang="en-US"/>
           </a:p>
@@ -7723,7 +7725,7 @@
           <a:p>
             <a:fld id="{5F2F6395-FEF5-46A5-9842-96D866342840}" type="datetimeFigureOut">
               <a:rPr lang="en-US" smtClean="0"/>
-              <a:t>11/20/2017</a:t>
+              <a:t>11/22/2017</a:t>
             </a:fld>
             <a:endParaRPr lang="en-US"/>
           </a:p>
@@ -9044,7 +9046,7 @@
           <a:p>
             <a:fld id="{5F2F6395-FEF5-46A5-9842-96D866342840}" type="datetimeFigureOut">
               <a:rPr lang="en-US" smtClean="0"/>
-              <a:t>11/20/2017</a:t>
+              <a:t>11/22/2017</a:t>
             </a:fld>
             <a:endParaRPr lang="en-US"/>
           </a:p>
@@ -9316,7 +9318,7 @@
           <a:p>
             <a:fld id="{5F2F6395-FEF5-46A5-9842-96D866342840}" type="datetimeFigureOut">
               <a:rPr lang="en-US" smtClean="0"/>
-              <a:t>11/20/2017</a:t>
+              <a:t>11/22/2017</a:t>
             </a:fld>
             <a:endParaRPr lang="en-US"/>
           </a:p>
@@ -9726,7 +9728,7 @@
           <a:p>
             <a:fld id="{5F2F6395-FEF5-46A5-9842-96D866342840}" type="datetimeFigureOut">
               <a:rPr lang="en-US" smtClean="0"/>
-              <a:t>11/20/2017</a:t>
+              <a:t>11/22/2017</a:t>
             </a:fld>
             <a:endParaRPr lang="en-US"/>
           </a:p>
@@ -9853,7 +9855,7 @@
           <a:p>
             <a:fld id="{5F2F6395-FEF5-46A5-9842-96D866342840}" type="datetimeFigureOut">
               <a:rPr lang="en-US" smtClean="0"/>
-              <a:t>11/20/2017</a:t>
+              <a:t>11/22/2017</a:t>
             </a:fld>
             <a:endParaRPr lang="en-US"/>
           </a:p>
@@ -9948,7 +9950,7 @@
           <a:p>
             <a:fld id="{5F2F6395-FEF5-46A5-9842-96D866342840}" type="datetimeFigureOut">
               <a:rPr lang="en-US" smtClean="0"/>
-              <a:t>11/20/2017</a:t>
+              <a:t>11/22/2017</a:t>
             </a:fld>
             <a:endParaRPr lang="en-US"/>
           </a:p>
@@ -11029,7 +11031,7 @@
           <a:p>
             <a:fld id="{5F2F6395-FEF5-46A5-9842-96D866342840}" type="datetimeFigureOut">
               <a:rPr lang="en-US" smtClean="0"/>
-              <a:t>11/20/2017</a:t>
+              <a:t>11/22/2017</a:t>
             </a:fld>
             <a:endParaRPr lang="en-US"/>
           </a:p>
@@ -12137,7 +12139,7 @@
           <a:p>
             <a:fld id="{5F2F6395-FEF5-46A5-9842-96D866342840}" type="datetimeFigureOut">
               <a:rPr lang="en-US" smtClean="0"/>
-              <a:t>11/20/2017</a:t>
+              <a:t>11/22/2017</a:t>
             </a:fld>
             <a:endParaRPr lang="en-US"/>
           </a:p>
@@ -13134,7 +13136,7 @@
           <a:p>
             <a:fld id="{5F2F6395-FEF5-46A5-9842-96D866342840}" type="datetimeFigureOut">
               <a:rPr lang="en-US" smtClean="0"/>
-              <a:t>11/20/2017</a:t>
+              <a:t>11/22/2017</a:t>
             </a:fld>
             <a:endParaRPr lang="en-US"/>
           </a:p>
@@ -13744,12 +13746,14 @@
         </p:nvSpPr>
         <p:spPr/>
         <p:txBody>
-          <a:bodyPr/>
+          <a:bodyPr>
+            <a:normAutofit/>
+          </a:bodyPr>
           <a:lstStyle/>
           <a:p>
             <a:pPr algn="r"/>
             <a:r>
-              <a:rPr lang="fa-IR" dirty="0" smtClean="0">
+              <a:rPr lang="fa-IR" sz="2400" dirty="0" smtClean="0">
                 <a:solidFill>
                   <a:schemeClr val="bg1"/>
                 </a:solidFill>
@@ -13757,7 +13761,7 @@
               </a:rPr>
               <a:t>تمرینات دوره ای</a:t>
             </a:r>
-            <a:endParaRPr lang="en-US" dirty="0">
+            <a:endParaRPr lang="en-US" sz="2400" dirty="0">
               <a:solidFill>
                 <a:schemeClr val="bg1"/>
               </a:solidFill>
@@ -14031,6 +14035,177 @@
                   </a:srgbClr>
                 </a:outerShdw>
               </a:effectLst>
+              <a:cs typeface="B Nazanin" panose="00000400000000000000" pitchFamily="2" charset="-78"/>
+            </a:endParaRPr>
+          </a:p>
+        </p:txBody>
+      </p:sp>
+      <p:sp>
+        <p:nvSpPr>
+          <p:cNvPr id="6" name="TextBox 5"/>
+          <p:cNvSpPr txBox="1"/>
+          <p:nvPr/>
+        </p:nvSpPr>
+        <p:spPr>
+          <a:xfrm>
+            <a:off x="540424" y="5511752"/>
+            <a:ext cx="4697099" cy="646331"/>
+          </a:xfrm>
+          <a:prstGeom prst="rect">
+            <a:avLst/>
+          </a:prstGeom>
+          <a:noFill/>
+        </p:spPr>
+        <p:txBody>
+          <a:bodyPr wrap="square" rtlCol="0">
+            <a:spAutoFit/>
+          </a:bodyPr>
+          <a:lstStyle>
+            <a:defPPr>
+              <a:defRPr lang="en-US"/>
+            </a:defPPr>
+            <a:lvl1pPr marL="0" algn="l" defTabSz="914400" rtl="0" eaLnBrk="1" latinLnBrk="0" hangingPunct="1">
+              <a:defRPr sz="1800" kern="1200">
+                <a:solidFill>
+                  <a:schemeClr val="tx1"/>
+                </a:solidFill>
+                <a:latin typeface="+mn-lt"/>
+                <a:ea typeface="+mn-ea"/>
+                <a:cs typeface="+mn-cs"/>
+              </a:defRPr>
+            </a:lvl1pPr>
+            <a:lvl2pPr marL="457200" algn="l" defTabSz="914400" rtl="0" eaLnBrk="1" latinLnBrk="0" hangingPunct="1">
+              <a:defRPr sz="1800" kern="1200">
+                <a:solidFill>
+                  <a:schemeClr val="tx1"/>
+                </a:solidFill>
+                <a:latin typeface="+mn-lt"/>
+                <a:ea typeface="+mn-ea"/>
+                <a:cs typeface="+mn-cs"/>
+              </a:defRPr>
+            </a:lvl2pPr>
+            <a:lvl3pPr marL="914400" algn="l" defTabSz="914400" rtl="0" eaLnBrk="1" latinLnBrk="0" hangingPunct="1">
+              <a:defRPr sz="1800" kern="1200">
+                <a:solidFill>
+                  <a:schemeClr val="tx1"/>
+                </a:solidFill>
+                <a:latin typeface="+mn-lt"/>
+                <a:ea typeface="+mn-ea"/>
+                <a:cs typeface="+mn-cs"/>
+              </a:defRPr>
+            </a:lvl3pPr>
+            <a:lvl4pPr marL="1371600" algn="l" defTabSz="914400" rtl="0" eaLnBrk="1" latinLnBrk="0" hangingPunct="1">
+              <a:defRPr sz="1800" kern="1200">
+                <a:solidFill>
+                  <a:schemeClr val="tx1"/>
+                </a:solidFill>
+                <a:latin typeface="+mn-lt"/>
+                <a:ea typeface="+mn-ea"/>
+                <a:cs typeface="+mn-cs"/>
+              </a:defRPr>
+            </a:lvl4pPr>
+            <a:lvl5pPr marL="1828800" algn="l" defTabSz="914400" rtl="0" eaLnBrk="1" latinLnBrk="0" hangingPunct="1">
+              <a:defRPr sz="1800" kern="1200">
+                <a:solidFill>
+                  <a:schemeClr val="tx1"/>
+                </a:solidFill>
+                <a:latin typeface="+mn-lt"/>
+                <a:ea typeface="+mn-ea"/>
+                <a:cs typeface="+mn-cs"/>
+              </a:defRPr>
+            </a:lvl5pPr>
+            <a:lvl6pPr marL="2286000" algn="l" defTabSz="914400" rtl="0" eaLnBrk="1" latinLnBrk="0" hangingPunct="1">
+              <a:defRPr sz="1800" kern="1200">
+                <a:solidFill>
+                  <a:schemeClr val="tx1"/>
+                </a:solidFill>
+                <a:latin typeface="+mn-lt"/>
+                <a:ea typeface="+mn-ea"/>
+                <a:cs typeface="+mn-cs"/>
+              </a:defRPr>
+            </a:lvl6pPr>
+            <a:lvl7pPr marL="2743200" algn="l" defTabSz="914400" rtl="0" eaLnBrk="1" latinLnBrk="0" hangingPunct="1">
+              <a:defRPr sz="1800" kern="1200">
+                <a:solidFill>
+                  <a:schemeClr val="tx1"/>
+                </a:solidFill>
+                <a:latin typeface="+mn-lt"/>
+                <a:ea typeface="+mn-ea"/>
+                <a:cs typeface="+mn-cs"/>
+              </a:defRPr>
+            </a:lvl7pPr>
+            <a:lvl8pPr marL="3200400" algn="l" defTabSz="914400" rtl="0" eaLnBrk="1" latinLnBrk="0" hangingPunct="1">
+              <a:defRPr sz="1800" kern="1200">
+                <a:solidFill>
+                  <a:schemeClr val="tx1"/>
+                </a:solidFill>
+                <a:latin typeface="+mn-lt"/>
+                <a:ea typeface="+mn-ea"/>
+                <a:cs typeface="+mn-cs"/>
+              </a:defRPr>
+            </a:lvl8pPr>
+            <a:lvl9pPr marL="3657600" algn="l" defTabSz="914400" rtl="0" eaLnBrk="1" latinLnBrk="0" hangingPunct="1">
+              <a:defRPr sz="1800" kern="1200">
+                <a:solidFill>
+                  <a:schemeClr val="tx1"/>
+                </a:solidFill>
+                <a:latin typeface="+mn-lt"/>
+                <a:ea typeface="+mn-ea"/>
+                <a:cs typeface="+mn-cs"/>
+              </a:defRPr>
+            </a:lvl9pPr>
+          </a:lstStyle>
+          <a:p>
+            <a:pPr algn="r" rtl="1"/>
+            <a:r>
+              <a:rPr lang="fa-IR" dirty="0">
+                <a:solidFill>
+                  <a:schemeClr val="bg1"/>
+                </a:solidFill>
+                <a:cs typeface="B Nazanin" panose="00000400000000000000" pitchFamily="2" charset="-78"/>
+              </a:rPr>
+              <a:t>تنظیم: سهیل </a:t>
+            </a:r>
+            <a:r>
+              <a:rPr lang="fa-IR" dirty="0" smtClean="0">
+                <a:solidFill>
+                  <a:schemeClr val="bg1"/>
+                </a:solidFill>
+                <a:cs typeface="B Nazanin" panose="00000400000000000000" pitchFamily="2" charset="-78"/>
+              </a:rPr>
+              <a:t>رمضانزاده (</a:t>
+            </a:r>
+            <a:r>
+              <a:rPr lang="en-US" dirty="0" smtClean="0">
+                <a:solidFill>
+                  <a:schemeClr val="bg1"/>
+                </a:solidFill>
+                <a:cs typeface="B Nazanin" panose="00000400000000000000" pitchFamily="2" charset="-78"/>
+              </a:rPr>
+              <a:t>soheillamso@gmail.com</a:t>
+            </a:r>
+            <a:r>
+              <a:rPr lang="fa-IR" dirty="0" smtClean="0">
+                <a:solidFill>
+                  <a:schemeClr val="bg1"/>
+                </a:solidFill>
+                <a:cs typeface="B Nazanin" panose="00000400000000000000" pitchFamily="2" charset="-78"/>
+              </a:rPr>
+              <a:t>)</a:t>
+            </a:r>
+            <a:endParaRPr lang="en-US" dirty="0">
+              <a:solidFill>
+                <a:schemeClr val="bg1"/>
+              </a:solidFill>
+              <a:cs typeface="B Nazanin" panose="00000400000000000000" pitchFamily="2" charset="-78"/>
+            </a:endParaRPr>
+          </a:p>
+          <a:p>
+            <a:pPr algn="r" rtl="1"/>
+            <a:endParaRPr lang="en-US" dirty="0">
+              <a:solidFill>
+                <a:schemeClr val="bg1"/>
+              </a:solidFill>
               <a:cs typeface="B Nazanin" panose="00000400000000000000" pitchFamily="2" charset="-78"/>
             </a:endParaRPr>
           </a:p>
@@ -14346,15 +14521,7 @@
           <a:p>
             <a:r>
               <a:rPr lang="fa-IR" sz="2800" dirty="0" smtClean="0"/>
-              <a:t>تمرین </a:t>
-            </a:r>
-            <a:r>
-              <a:rPr lang="fa-IR" sz="2800" dirty="0" smtClean="0"/>
-              <a:t>3: </a:t>
-            </a:r>
-            <a:r>
-              <a:rPr lang="fa-IR" sz="2800" dirty="0" smtClean="0"/>
-              <a:t>برنامه ای بنویسید که دارای دو تابع زیر است:</a:t>
+              <a:t>تمرین 3: برنامه ای بنویسید که دارای دو تابع زیر است:</a:t>
             </a:r>
           </a:p>
           <a:p>
@@ -14525,19 +14692,7 @@
           <a:p>
             <a:r>
               <a:rPr lang="fa-IR" sz="2800" dirty="0" smtClean="0"/>
-              <a:t>تمرین </a:t>
-            </a:r>
-            <a:r>
-              <a:rPr lang="fa-IR" sz="2800" dirty="0" smtClean="0"/>
-              <a:t>4: </a:t>
-            </a:r>
-            <a:r>
-              <a:rPr lang="fa-IR" sz="2800" dirty="0" smtClean="0"/>
-              <a:t>برنامه ای بنویسید که </a:t>
-            </a:r>
-            <a:r>
-              <a:rPr lang="fa-IR" sz="2800" dirty="0" smtClean="0"/>
-              <a:t>نام ، قد و وزن را بگیرد و بررسی های زیر را انجام دهد:</a:t>
+              <a:t>تمرین 4: برنامه ای بنویسید که نام ، قد و وزن را بگیرد و بررسی های زیر را انجام دهد:</a:t>
             </a:r>
           </a:p>
           <a:p>
@@ -14719,15 +14874,7 @@
           <a:p>
             <a:r>
               <a:rPr lang="fa-IR" sz="2800" dirty="0" smtClean="0"/>
-              <a:t>تمرین 4-2: </a:t>
-            </a:r>
-            <a:r>
-              <a:rPr lang="fa-IR" sz="2800" dirty="0" smtClean="0"/>
-              <a:t>برنامه ای بنویسید </a:t>
-            </a:r>
-            <a:r>
-              <a:rPr lang="fa-IR" sz="2800" dirty="0" smtClean="0"/>
-              <a:t>مساحت مثلث را نمایش دهد.</a:t>
+              <a:t>تمرین 4-2: برنامه ای بنویسید مساحت مثلث را نمایش دهد.</a:t>
             </a:r>
           </a:p>
           <a:p>
@@ -14794,6 +14941,453 @@
     <p:extLst>
       <p:ext uri="{BB962C8B-B14F-4D97-AF65-F5344CB8AC3E}">
         <p14:creationId xmlns:p14="http://schemas.microsoft.com/office/powerpoint/2010/main" val="323234638"/>
+      </p:ext>
+    </p:extLst>
+  </p:cSld>
+  <p:clrMapOvr>
+    <a:masterClrMapping/>
+  </p:clrMapOvr>
+  <p:timing>
+    <p:tnLst>
+      <p:par>
+        <p:cTn id="1" dur="indefinite" restart="never" nodeType="tmRoot"/>
+      </p:par>
+    </p:tnLst>
+  </p:timing>
+</p:sld>
+</file>
+
+<file path=ppt/slides/slide7.xml><?xml version="1.0" encoding="utf-8"?>
+<p:sld xmlns:a="http://schemas.openxmlformats.org/drawingml/2006/main" xmlns:r="http://schemas.openxmlformats.org/officeDocument/2006/relationships" xmlns:p="http://schemas.openxmlformats.org/presentationml/2006/main">
+  <p:cSld>
+    <p:spTree>
+      <p:nvGrpSpPr>
+        <p:cNvPr id="1" name=""/>
+        <p:cNvGrpSpPr/>
+        <p:nvPr/>
+      </p:nvGrpSpPr>
+      <p:grpSpPr>
+        <a:xfrm>
+          <a:off x="0" y="0"/>
+          <a:ext cx="0" cy="0"/>
+          <a:chOff x="0" y="0"/>
+          <a:chExt cx="0" cy="0"/>
+        </a:xfrm>
+      </p:grpSpPr>
+      <p:sp>
+        <p:nvSpPr>
+          <p:cNvPr id="3" name="Content Placeholder 2"/>
+          <p:cNvSpPr>
+            <a:spLocks noGrp="1"/>
+          </p:cNvSpPr>
+          <p:nvPr>
+            <p:ph idx="1"/>
+          </p:nvPr>
+        </p:nvSpPr>
+        <p:spPr>
+          <a:xfrm>
+            <a:off x="561110" y="2305878"/>
+            <a:ext cx="11445360" cy="4552121"/>
+          </a:xfrm>
+        </p:spPr>
+        <p:txBody>
+          <a:bodyPr>
+            <a:normAutofit/>
+          </a:bodyPr>
+          <a:lstStyle/>
+          <a:p>
+            <a:r>
+              <a:rPr lang="fa-IR" sz="2800" dirty="0" smtClean="0"/>
+              <a:t>تمرین </a:t>
+            </a:r>
+            <a:r>
+              <a:rPr lang="fa-IR" sz="2800" dirty="0"/>
+              <a:t>5</a:t>
+            </a:r>
+            <a:r>
+              <a:rPr lang="fa-IR" sz="2800" dirty="0" smtClean="0"/>
+              <a:t>: برنامه ای با دستور </a:t>
+            </a:r>
+            <a:r>
+              <a:rPr lang="en-US" sz="2800" dirty="0" smtClean="0"/>
+              <a:t>switch</a:t>
+            </a:r>
+            <a:r>
+              <a:rPr lang="fa-IR" sz="2800" dirty="0" smtClean="0"/>
+              <a:t> بنویسید دارای </a:t>
+            </a:r>
+            <a:endParaRPr lang="en-US" sz="2800" dirty="0" smtClean="0"/>
+          </a:p>
+          <a:p>
+            <a:pPr marL="0" indent="0">
+              <a:buNone/>
+            </a:pPr>
+            <a:r>
+              <a:rPr lang="fa-IR" sz="2800" dirty="0" smtClean="0"/>
+              <a:t>یک </a:t>
+            </a:r>
+            <a:r>
+              <a:rPr lang="en-US" sz="2800" dirty="0" err="1" smtClean="0"/>
+              <a:t>ListBox</a:t>
+            </a:r>
+            <a:r>
+              <a:rPr lang="fa-IR" sz="2800" dirty="0" smtClean="0"/>
+              <a:t> یک </a:t>
+            </a:r>
+            <a:r>
+              <a:rPr lang="en-US" sz="2800" dirty="0" smtClean="0"/>
+              <a:t>Button</a:t>
+            </a:r>
+            <a:r>
+              <a:rPr lang="fa-IR" sz="2800" dirty="0" smtClean="0"/>
+              <a:t> یک </a:t>
+            </a:r>
+            <a:r>
+              <a:rPr lang="en-US" sz="2800" dirty="0" err="1" smtClean="0"/>
+              <a:t>TextBox</a:t>
+            </a:r>
+            <a:r>
+              <a:rPr lang="fa-IR" sz="2800" dirty="0"/>
+              <a:t> </a:t>
+            </a:r>
+            <a:r>
+              <a:rPr lang="fa-IR" sz="2800" dirty="0" smtClean="0"/>
+              <a:t>است:</a:t>
+            </a:r>
+          </a:p>
+          <a:p>
+            <a:pPr marL="0" indent="0">
+              <a:buNone/>
+            </a:pPr>
+            <a:r>
+              <a:rPr lang="fa-IR" dirty="0" smtClean="0"/>
+              <a:t>در </a:t>
+            </a:r>
+            <a:r>
+              <a:rPr lang="en-US" dirty="0" err="1" smtClean="0"/>
+              <a:t>ListBox</a:t>
+            </a:r>
+            <a:r>
+              <a:rPr lang="fa-IR" dirty="0" smtClean="0"/>
+              <a:t> نام چند خودرو وجود داشته باشد.</a:t>
+            </a:r>
+          </a:p>
+          <a:p>
+            <a:pPr marL="0" indent="0">
+              <a:buNone/>
+            </a:pPr>
+            <a:r>
+              <a:rPr lang="fa-IR" dirty="0" smtClean="0"/>
+              <a:t>با کلیک روی نام هر خودرو نام سازنده نمایش داده شود.</a:t>
+            </a:r>
+          </a:p>
+          <a:p>
+            <a:pPr marL="0" indent="0">
+              <a:buNone/>
+            </a:pPr>
+            <a:r>
+              <a:rPr lang="fa-IR" dirty="0" smtClean="0"/>
+              <a:t>تکمیلی: در </a:t>
+            </a:r>
+            <a:r>
+              <a:rPr lang="en-US" dirty="0" err="1" smtClean="0"/>
+              <a:t>TextBox</a:t>
+            </a:r>
+            <a:r>
+              <a:rPr lang="fa-IR" dirty="0" smtClean="0"/>
+              <a:t> شماره ردیف وارد شود و</a:t>
+            </a:r>
+          </a:p>
+          <a:p>
+            <a:pPr marL="0" indent="0">
+              <a:buNone/>
+            </a:pPr>
+            <a:r>
+              <a:rPr lang="fa-IR" dirty="0" smtClean="0"/>
+              <a:t> با انتخاب دکمه نام خودرو و کارخانه نمایش داده شود</a:t>
+            </a:r>
+          </a:p>
+          <a:p>
+            <a:pPr marL="0" indent="0">
+              <a:buNone/>
+            </a:pPr>
+            <a:endParaRPr lang="en-US" dirty="0"/>
+          </a:p>
+        </p:txBody>
+      </p:sp>
+      <p:sp>
+        <p:nvSpPr>
+          <p:cNvPr id="6" name="Title 1"/>
+          <p:cNvSpPr>
+            <a:spLocks noGrp="1"/>
+          </p:cNvSpPr>
+          <p:nvPr>
+            <p:ph type="title"/>
+          </p:nvPr>
+        </p:nvSpPr>
+        <p:spPr>
+          <a:xfrm>
+            <a:off x="1154954" y="973668"/>
+            <a:ext cx="8761413" cy="706964"/>
+          </a:xfrm>
+        </p:spPr>
+        <p:txBody>
+          <a:bodyPr/>
+          <a:lstStyle/>
+          <a:p>
+            <a:r>
+              <a:rPr lang="fa-IR" dirty="0" smtClean="0"/>
+              <a:t>تمرینات دوره ای</a:t>
+            </a:r>
+            <a:endParaRPr lang="en-US" dirty="0"/>
+          </a:p>
+        </p:txBody>
+      </p:sp>
+      <p:pic>
+        <p:nvPicPr>
+          <p:cNvPr id="2" name="Picture 1"/>
+          <p:cNvPicPr>
+            <a:picLocks noChangeAspect="1"/>
+          </p:cNvPicPr>
+          <p:nvPr/>
+        </p:nvPicPr>
+        <p:blipFill>
+          <a:blip r:embed="rId2"/>
+          <a:stretch>
+            <a:fillRect/>
+          </a:stretch>
+        </p:blipFill>
+        <p:spPr>
+          <a:xfrm>
+            <a:off x="0" y="1834566"/>
+            <a:ext cx="5009322" cy="5023433"/>
+          </a:xfrm>
+          <a:prstGeom prst="rect">
+            <a:avLst/>
+          </a:prstGeom>
+        </p:spPr>
+      </p:pic>
+    </p:spTree>
+    <p:extLst>
+      <p:ext uri="{BB962C8B-B14F-4D97-AF65-F5344CB8AC3E}">
+        <p14:creationId xmlns:p14="http://schemas.microsoft.com/office/powerpoint/2010/main" val="2575533977"/>
+      </p:ext>
+    </p:extLst>
+  </p:cSld>
+  <p:clrMapOvr>
+    <a:masterClrMapping/>
+  </p:clrMapOvr>
+  <p:timing>
+    <p:tnLst>
+      <p:par>
+        <p:cTn id="1" dur="indefinite" restart="never" nodeType="tmRoot"/>
+      </p:par>
+    </p:tnLst>
+  </p:timing>
+</p:sld>
+</file>
+
+<file path=ppt/slides/slide8.xml><?xml version="1.0" encoding="utf-8"?>
+<p:sld xmlns:a="http://schemas.openxmlformats.org/drawingml/2006/main" xmlns:r="http://schemas.openxmlformats.org/officeDocument/2006/relationships" xmlns:p="http://schemas.openxmlformats.org/presentationml/2006/main">
+  <p:cSld>
+    <p:spTree>
+      <p:nvGrpSpPr>
+        <p:cNvPr id="1" name=""/>
+        <p:cNvGrpSpPr/>
+        <p:nvPr/>
+      </p:nvGrpSpPr>
+      <p:grpSpPr>
+        <a:xfrm>
+          <a:off x="0" y="0"/>
+          <a:ext cx="0" cy="0"/>
+          <a:chOff x="0" y="0"/>
+          <a:chExt cx="0" cy="0"/>
+        </a:xfrm>
+      </p:grpSpPr>
+      <p:sp>
+        <p:nvSpPr>
+          <p:cNvPr id="3" name="Content Placeholder 2"/>
+          <p:cNvSpPr>
+            <a:spLocks noGrp="1"/>
+          </p:cNvSpPr>
+          <p:nvPr>
+            <p:ph idx="1"/>
+          </p:nvPr>
+        </p:nvSpPr>
+        <p:spPr>
+          <a:xfrm>
+            <a:off x="561110" y="2305878"/>
+            <a:ext cx="11445360" cy="4552121"/>
+          </a:xfrm>
+        </p:spPr>
+        <p:txBody>
+          <a:bodyPr>
+            <a:normAutofit/>
+          </a:bodyPr>
+          <a:lstStyle/>
+          <a:p>
+            <a:r>
+              <a:rPr lang="fa-IR" sz="2800" dirty="0" smtClean="0"/>
+              <a:t>تمرین </a:t>
+            </a:r>
+            <a:r>
+              <a:rPr lang="fa-IR" sz="2800" dirty="0" smtClean="0"/>
+              <a:t>5-2</a:t>
+            </a:r>
+            <a:r>
+              <a:rPr lang="fa-IR" sz="2800" dirty="0" smtClean="0"/>
+              <a:t>: </a:t>
+            </a:r>
+            <a:r>
+              <a:rPr lang="fa-IR" sz="2800" dirty="0" smtClean="0"/>
+              <a:t>برنامه ای با دستور </a:t>
+            </a:r>
+            <a:r>
+              <a:rPr lang="en-US" sz="2800" dirty="0" smtClean="0"/>
+              <a:t>for</a:t>
+            </a:r>
+            <a:r>
+              <a:rPr lang="fa-IR" sz="2800" dirty="0" smtClean="0"/>
+              <a:t> بنویسید که اعداد زوج</a:t>
+            </a:r>
+          </a:p>
+          <a:p>
+            <a:pPr marL="0" indent="0">
+              <a:buNone/>
+            </a:pPr>
+            <a:r>
+              <a:rPr lang="fa-IR" sz="2800" dirty="0" smtClean="0"/>
+              <a:t> 1 تا 20 را در یک </a:t>
+            </a:r>
+            <a:r>
+              <a:rPr lang="en-US" sz="2800" dirty="0" err="1" smtClean="0"/>
+              <a:t>ListBox</a:t>
+            </a:r>
+            <a:r>
+              <a:rPr lang="fa-IR" sz="2800" dirty="0" smtClean="0"/>
+              <a:t> </a:t>
+            </a:r>
+            <a:r>
+              <a:rPr lang="fa-IR" sz="2800" dirty="0" smtClean="0"/>
+              <a:t>نمایش دهد</a:t>
+            </a:r>
+          </a:p>
+          <a:p>
+            <a:pPr marL="0" indent="0">
+              <a:buNone/>
+            </a:pPr>
+            <a:endParaRPr lang="fa-IR" sz="2800" dirty="0" smtClean="0"/>
+          </a:p>
+          <a:p>
+            <a:pPr marL="0" indent="0">
+              <a:buNone/>
+            </a:pPr>
+            <a:r>
+              <a:rPr lang="fa-IR" dirty="0" smtClean="0"/>
+              <a:t>با </a:t>
+            </a:r>
+            <a:r>
+              <a:rPr lang="fa-IR" dirty="0" smtClean="0"/>
+              <a:t>کلیک روی </a:t>
+            </a:r>
+            <a:r>
+              <a:rPr lang="fa-IR" dirty="0" smtClean="0"/>
+              <a:t>هر عدد، عدد بعدی نمایش داده شود ( برای این</a:t>
+            </a:r>
+          </a:p>
+          <a:p>
+            <a:pPr marL="0" indent="0">
+              <a:buNone/>
+            </a:pPr>
+            <a:r>
+              <a:rPr lang="fa-IR" dirty="0" smtClean="0"/>
+              <a:t>کار از خاصیت </a:t>
+            </a:r>
+            <a:r>
+              <a:rPr lang="en-US" dirty="0" err="1" smtClean="0"/>
+              <a:t>SelectedIndex</a:t>
+            </a:r>
+            <a:r>
+              <a:rPr lang="fa-IR" dirty="0" smtClean="0"/>
+              <a:t> مربوط به </a:t>
+            </a:r>
+            <a:r>
+              <a:rPr lang="en-US" dirty="0" err="1" smtClean="0"/>
+              <a:t>ListBox</a:t>
+            </a:r>
+            <a:r>
+              <a:rPr lang="fa-IR" dirty="0" smtClean="0"/>
+              <a:t> استفاده</a:t>
+            </a:r>
+          </a:p>
+          <a:p>
+            <a:pPr marL="0" indent="0">
+              <a:buNone/>
+            </a:pPr>
+            <a:r>
+              <a:rPr lang="fa-IR" dirty="0" smtClean="0"/>
+              <a:t>کنید)</a:t>
+            </a:r>
+            <a:endParaRPr lang="en-US" dirty="0"/>
+          </a:p>
+        </p:txBody>
+      </p:sp>
+      <p:sp>
+        <p:nvSpPr>
+          <p:cNvPr id="6" name="Title 1"/>
+          <p:cNvSpPr>
+            <a:spLocks noGrp="1"/>
+          </p:cNvSpPr>
+          <p:nvPr>
+            <p:ph type="title"/>
+          </p:nvPr>
+        </p:nvSpPr>
+        <p:spPr>
+          <a:xfrm>
+            <a:off x="1154954" y="973668"/>
+            <a:ext cx="8761413" cy="706964"/>
+          </a:xfrm>
+        </p:spPr>
+        <p:txBody>
+          <a:bodyPr/>
+          <a:lstStyle/>
+          <a:p>
+            <a:r>
+              <a:rPr lang="fa-IR" dirty="0" smtClean="0"/>
+              <a:t>تمرینات دوره ای</a:t>
+            </a:r>
+            <a:endParaRPr lang="en-US" dirty="0"/>
+          </a:p>
+        </p:txBody>
+      </p:sp>
+      <p:pic>
+        <p:nvPicPr>
+          <p:cNvPr id="4" name="Picture 3"/>
+          <p:cNvPicPr>
+            <a:picLocks noChangeAspect="1"/>
+          </p:cNvPicPr>
+          <p:nvPr/>
+        </p:nvPicPr>
+        <p:blipFill>
+          <a:blip r:embed="rId2"/>
+          <a:stretch>
+            <a:fillRect/>
+          </a:stretch>
+        </p:blipFill>
+        <p:spPr>
+          <a:xfrm>
+            <a:off x="299623" y="1735802"/>
+            <a:ext cx="4365143" cy="5122197"/>
+          </a:xfrm>
+          <a:prstGeom prst="rect">
+            <a:avLst/>
+          </a:prstGeom>
+        </p:spPr>
+      </p:pic>
+    </p:spTree>
+    <p:extLst>
+      <p:ext uri="{BB962C8B-B14F-4D97-AF65-F5344CB8AC3E}">
+        <p14:creationId xmlns:p14="http://schemas.microsoft.com/office/powerpoint/2010/main" val="2130517881"/>
       </p:ext>
     </p:extLst>
   </p:cSld>
